--- a/基础PPT/第5章：Java日期处理.pptx
+++ b/基础PPT/第5章：Java日期处理.pptx
@@ -5,7 +5,7 @@
     <p:sldMasterId id="2147483648" r:id="rId1"/>
   </p:sldMasterIdLst>
   <p:notesMasterIdLst>
-    <p:notesMasterId r:id="rId13"/>
+    <p:notesMasterId r:id="rId11"/>
   </p:notesMasterIdLst>
   <p:sldIdLst>
     <p:sldId id="660" r:id="rId3"/>
@@ -15,9 +15,7 @@
     <p:sldId id="684" r:id="rId7"/>
     <p:sldId id="685" r:id="rId8"/>
     <p:sldId id="686" r:id="rId9"/>
-    <p:sldId id="687" r:id="rId10"/>
-    <p:sldId id="688" r:id="rId11"/>
-    <p:sldId id="662" r:id="rId12"/>
+    <p:sldId id="662" r:id="rId10"/>
   </p:sldIdLst>
   <p:sldSz cx="12192000" cy="6858000"/>
   <p:notesSz cx="6858000" cy="9144000"/>
@@ -6341,38 +6339,6 @@
 </p:sld>
 </file>
 
-<file path=ppt/slides/slide10.xml><?xml version="1.0" encoding="utf-8"?>
-<p:sld xmlns:a="http://schemas.openxmlformats.org/drawingml/2006/main" xmlns:r="http://schemas.openxmlformats.org/officeDocument/2006/relationships" xmlns:p="http://schemas.openxmlformats.org/presentationml/2006/main">
-  <p:cSld>
-    <p:bg>
-      <p:bgPr>
-        <a:blipFill rotWithShape="1">
-          <a:blip r:embed="rId1"/>
-          <a:stretch>
-            <a:fillRect/>
-          </a:stretch>
-        </a:blipFill>
-        <a:effectLst/>
-      </p:bgPr>
-    </p:bg>
-    <p:spTree>
-      <p:nvGrpSpPr>
-        <p:cNvPr id="1" name=""/>
-        <p:cNvGrpSpPr/>
-        <p:nvPr/>
-      </p:nvGrpSpPr>
-      <p:grpSpPr/>
-    </p:spTree>
-    <p:custDataLst>
-      <p:tags r:id="rId2"/>
-    </p:custDataLst>
-  </p:cSld>
-  <p:clrMapOvr>
-    <a:masterClrMapping/>
-  </p:clrMapOvr>
-</p:sld>
-</file>
-
 <file path=ppt/slides/slide2.xml><?xml version="1.0" encoding="utf-8"?>
 <p:sld xmlns:a="http://schemas.openxmlformats.org/drawingml/2006/main" xmlns:r="http://schemas.openxmlformats.org/officeDocument/2006/relationships" xmlns:p="http://schemas.openxmlformats.org/presentationml/2006/main">
   <p:cSld>
@@ -6402,8 +6368,8 @@
         </p:nvSpPr>
         <p:spPr>
           <a:xfrm>
-            <a:off x="2743835" y="502285"/>
-            <a:ext cx="7412355" cy="583565"/>
+            <a:off x="285750" y="681355"/>
+            <a:ext cx="11652250" cy="583565"/>
           </a:xfrm>
           <a:prstGeom prst="rect">
             <a:avLst/>
@@ -6415,6 +6381,7 @@
             <a:spAutoFit/>
           </a:bodyPr>
           <a:p>
+            <a:pPr algn="ctr"/>
             <a:r>
               <a:rPr lang="zh-CN" altLang="en-US" sz="3200">
                 <a:latin typeface="宋体" panose="02010600030101010101" pitchFamily="2" charset="-122"/>
@@ -6441,7 +6408,7 @@
         </p:nvSpPr>
         <p:spPr>
           <a:xfrm>
-            <a:off x="220980" y="1018540"/>
+            <a:off x="162560" y="1523365"/>
             <a:ext cx="11867515" cy="4523105"/>
           </a:xfrm>
           <a:prstGeom prst="rect">
@@ -6486,7 +6453,18 @@
                 <a:ea typeface="宋体" panose="02010600030101010101" pitchFamily="2" charset="-122"/>
                 <a:cs typeface="宋体" panose="02010600030101010101" pitchFamily="2" charset="-122"/>
               </a:rPr>
-              <a:t>1970年 1月 1日 00:00:00</a:t>
+              <a:t>1970年 1月 1日 00:00:00 </a:t>
+            </a:r>
+            <a:r>
+              <a:rPr lang="zh-CN" altLang="en-US" sz="1600">
+                <a:solidFill>
+                  <a:srgbClr val="FF0000"/>
+                </a:solidFill>
+                <a:latin typeface="宋体" panose="02010600030101010101" pitchFamily="2" charset="-122"/>
+                <a:ea typeface="宋体" panose="02010600030101010101" pitchFamily="2" charset="-122"/>
+                <a:cs typeface="宋体" panose="02010600030101010101" pitchFamily="2" charset="-122"/>
+              </a:rPr>
+              <a:t>（计算机元年）</a:t>
             </a:r>
             <a:r>
               <a:rPr lang="en-US" altLang="zh-CN" sz="1600">
@@ -6802,7 +6780,7 @@
         </p:nvSpPr>
         <p:spPr>
           <a:xfrm>
-            <a:off x="120650" y="837565"/>
+            <a:off x="139700" y="1413510"/>
             <a:ext cx="11912600" cy="4030980"/>
           </a:xfrm>
           <a:prstGeom prst="rect">
@@ -7017,6 +6995,55 @@
               <a:latin typeface="宋体" panose="02010600030101010101" pitchFamily="2" charset="-122"/>
               <a:ea typeface="宋体" panose="02010600030101010101" pitchFamily="2" charset="-122"/>
               <a:cs typeface="宋体" panose="02010600030101010101" pitchFamily="2" charset="-122"/>
+            </a:endParaRPr>
+          </a:p>
+        </p:txBody>
+      </p:sp>
+      <p:sp>
+        <p:nvSpPr>
+          <p:cNvPr id="3" name="文本框 2"/>
+          <p:cNvSpPr txBox="1"/>
+          <p:nvPr/>
+        </p:nvSpPr>
+        <p:spPr>
+          <a:xfrm>
+            <a:off x="285750" y="681355"/>
+            <a:ext cx="11652250" cy="583565"/>
+          </a:xfrm>
+          <a:prstGeom prst="rect">
+            <a:avLst/>
+          </a:prstGeom>
+          <a:noFill/>
+        </p:spPr>
+        <p:txBody>
+          <a:bodyPr wrap="square" rtlCol="0">
+            <a:spAutoFit/>
+          </a:bodyPr>
+          <a:p>
+            <a:pPr algn="ctr"/>
+            <a:r>
+              <a:rPr lang="zh-CN" altLang="en-US" sz="3200">
+                <a:latin typeface="宋体" panose="02010600030101010101" pitchFamily="2" charset="-122"/>
+                <a:ea typeface="宋体" panose="02010600030101010101" pitchFamily="2" charset="-122"/>
+                <a:cs typeface="宋体" panose="02010600030101010101" pitchFamily="2" charset="-122"/>
+                <a:sym typeface="+mn-ea"/>
+              </a:rPr>
+              <a:t>Calendar 与 </a:t>
+            </a:r>
+            <a:r>
+              <a:rPr lang="zh-CN" altLang="en-US" sz="3200">
+                <a:latin typeface="宋体" panose="02010600030101010101" pitchFamily="2" charset="-122"/>
+                <a:ea typeface="宋体" panose="02010600030101010101" pitchFamily="2" charset="-122"/>
+                <a:cs typeface="宋体" panose="02010600030101010101" pitchFamily="2" charset="-122"/>
+                <a:sym typeface="+mn-ea"/>
+              </a:rPr>
+              <a:t>GregorianCalendar</a:t>
+            </a:r>
+            <a:endParaRPr lang="zh-CN" altLang="en-US" sz="3200">
+              <a:latin typeface="宋体" panose="02010600030101010101" pitchFamily="2" charset="-122"/>
+              <a:ea typeface="宋体" panose="02010600030101010101" pitchFamily="2" charset="-122"/>
+              <a:cs typeface="宋体" panose="02010600030101010101" pitchFamily="2" charset="-122"/>
+              <a:sym typeface="+mn-ea"/>
             </a:endParaRPr>
           </a:p>
         </p:txBody>
@@ -7928,38 +7955,6 @@
 </p:sld>
 </file>
 
-<file path=ppt/slides/slide9.xml><?xml version="1.0" encoding="utf-8"?>
-<p:sld xmlns:a="http://schemas.openxmlformats.org/drawingml/2006/main" xmlns:r="http://schemas.openxmlformats.org/officeDocument/2006/relationships" xmlns:p="http://schemas.openxmlformats.org/presentationml/2006/main">
-  <p:cSld>
-    <p:bg>
-      <p:bgPr>
-        <a:blipFill rotWithShape="1">
-          <a:blip r:embed="rId1"/>
-          <a:stretch>
-            <a:fillRect/>
-          </a:stretch>
-        </a:blipFill>
-        <a:effectLst/>
-      </p:bgPr>
-    </p:bg>
-    <p:spTree>
-      <p:nvGrpSpPr>
-        <p:cNvPr id="1" name=""/>
-        <p:cNvGrpSpPr/>
-        <p:nvPr/>
-      </p:nvGrpSpPr>
-      <p:grpSpPr/>
-    </p:spTree>
-    <p:custDataLst>
-      <p:tags r:id="rId2"/>
-    </p:custDataLst>
-  </p:cSld>
-  <p:clrMapOvr>
-    <a:masterClrMapping/>
-  </p:clrMapOvr>
-</p:sld>
-</file>
-
 <file path=ppt/tags/tag1.xml><?xml version="1.0" encoding="utf-8"?>
 <p:tagLst xmlns:p="http://schemas.openxmlformats.org/presentationml/2006/main">
   <p:tag name="KSO_WM_UNIT_HIGHLIGHT" val="0"/>
@@ -9034,24 +9029,6 @@
 </file>
 
 <file path=ppt/tags/tag85.xml><?xml version="1.0" encoding="utf-8"?>
-<p:tagLst xmlns:p="http://schemas.openxmlformats.org/presentationml/2006/main">
-  <p:tag name="KSO_WM_BEAUTIFY_FLAG" val="#wm#"/>
-  <p:tag name="KSO_WM_TEMPLATE_CATEGORY" val="custom"/>
-  <p:tag name="KSO_WM_TEMPLATE_INDEX" val="20203858"/>
-  <p:tag name="KSO_WM_SPECIAL_SOURCE" val="bdnull"/>
-</p:tagLst>
-</file>
-
-<file path=ppt/tags/tag86.xml><?xml version="1.0" encoding="utf-8"?>
-<p:tagLst xmlns:p="http://schemas.openxmlformats.org/presentationml/2006/main">
-  <p:tag name="KSO_WM_BEAUTIFY_FLAG" val="#wm#"/>
-  <p:tag name="KSO_WM_TEMPLATE_CATEGORY" val="custom"/>
-  <p:tag name="KSO_WM_TEMPLATE_INDEX" val="20203858"/>
-  <p:tag name="KSO_WM_SPECIAL_SOURCE" val="bdnull"/>
-</p:tagLst>
-</file>
-
-<file path=ppt/tags/tag87.xml><?xml version="1.0" encoding="utf-8"?>
 <p:tagLst xmlns:p="http://schemas.openxmlformats.org/presentationml/2006/main">
   <p:tag name="KSO_WM_BEAUTIFY_FLAG" val="#wm#"/>
   <p:tag name="KSO_WM_TEMPLATE_CATEGORY" val="custom"/>
